--- a/Documents/Income_Prediction.pptx
+++ b/Documents/Income_Prediction.pptx
@@ -261,8 +261,11 @@
     </a:lvl9pPr>
   </p:defaultTextStyle>
   <p:extLst>
+    <p:ext uri="{EFAFB233-063F-42B5-8137-9DF3F51BA10A}">
+      <p15:sldGuideLst xmlns:p15="http://schemas.microsoft.com/office/powerpoint/2012/main"/>
+    </p:ext>
     <p:ext uri="http://customooxmlschemas.google.com/">
-      <go:slidesCustomData xmlns:go="http://customooxmlschemas.google.com/" xmlns:ahyp="http://schemas.microsoft.com/office/drawing/2018/hyperlinkcolor" xmlns:p15="http://schemas.microsoft.com/office/powerpoint/2012/main" xmlns:p14="http://schemas.microsoft.com/office/powerpoint/2010/main" xmlns:com="http://schemas.openxmlformats.org/drawingml/2006/compatibility" xmlns:pvml="urn:schemas-microsoft-com:office:powerpoint" xmlns:v="urn:schemas-microsoft-com:vml" xmlns:o="urn:schemas-microsoft-com:office:office" xmlns:dgm="http://schemas.openxmlformats.org/drawingml/2006/diagram" xmlns:c="http://schemas.openxmlformats.org/drawingml/2006/chart" xmlns:mv="urn:schemas-microsoft-com:mac:vml" xmlns:mc="http://schemas.openxmlformats.org/markup-compatibility/2006" xmlns="" r:id="rId22" roundtripDataSignature="AMtx7mja1iNMUlAlqX4iV31sKtFy/FYFrw=="/>
+      <go:slidesCustomData xmlns="" xmlns:mc="http://schemas.openxmlformats.org/markup-compatibility/2006" xmlns:mv="urn:schemas-microsoft-com:mac:vml" xmlns:c="http://schemas.openxmlformats.org/drawingml/2006/chart" xmlns:dgm="http://schemas.openxmlformats.org/drawingml/2006/diagram" xmlns:o="urn:schemas-microsoft-com:office:office" xmlns:v="urn:schemas-microsoft-com:vml" xmlns:pvml="urn:schemas-microsoft-com:office:powerpoint" xmlns:com="http://schemas.openxmlformats.org/drawingml/2006/compatibility" xmlns:p14="http://schemas.microsoft.com/office/powerpoint/2010/main" xmlns:p15="http://schemas.microsoft.com/office/powerpoint/2012/main" xmlns:ahyp="http://schemas.microsoft.com/office/drawing/2018/hyperlinkcolor" xmlns:go="http://customooxmlschemas.google.com/" r:id="rId22" roundtripDataSignature="AMtx7mja1iNMUlAlqX4iV31sKtFy/FYFrw=="/>
     </p:ext>
   </p:extLst>
 </p:presentation>
@@ -17011,7 +17014,7 @@
               <a:t>		</a:t>
             </a:r>
             <a:r>
-              <a:rPr lang="en-US" sz="3000" dirty="0">
+              <a:rPr lang="en-US" sz="3600" dirty="0">
                 <a:solidFill>
                   <a:schemeClr val="lt1"/>
                 </a:solidFill>
@@ -17022,7 +17025,7 @@
               </a:rPr>
               <a:t>Income Prediction</a:t>
             </a:r>
-            <a:endParaRPr sz="3000" dirty="0">
+            <a:endParaRPr sz="3600" dirty="0">
               <a:solidFill>
                 <a:schemeClr val="lt1"/>
               </a:solidFill>
@@ -18118,10 +18121,10 @@
       </p:sp>
       <p:pic>
         <p:nvPicPr>
-          <p:cNvPr id="3" name="Picture 2" descr="A picture containing text, screenshot, font, diagram&#10;&#10;Description automatically generated">
+          <p:cNvPr id="7" name="Picture 6">
             <a:extLst>
               <a:ext uri="{FF2B5EF4-FFF2-40B4-BE49-F238E27FC236}">
-                <a16:creationId xmlns:a16="http://schemas.microsoft.com/office/drawing/2014/main" id="{313DF2FB-FD92-8D96-7B21-A365BCED384E}"/>
+                <a16:creationId xmlns:a16="http://schemas.microsoft.com/office/drawing/2014/main" id="{8D0221C9-D5DD-3E90-A65D-58187A32977E}"/>
               </a:ext>
             </a:extLst>
           </p:cNvPr>
@@ -18131,30 +18134,19 @@
           <p:nvPr/>
         </p:nvPicPr>
         <p:blipFill>
-          <a:blip r:embed="rId3">
-            <a:extLst>
-              <a:ext uri="{28A0092B-C50C-407E-A947-70E740481C1C}">
-                <a14:useLocalDpi xmlns:a14="http://schemas.microsoft.com/office/drawing/2010/main" val="0"/>
-              </a:ext>
-            </a:extLst>
-          </a:blip>
-          <a:srcRect/>
+          <a:blip r:embed="rId3"/>
           <a:stretch>
             <a:fillRect/>
           </a:stretch>
         </p:blipFill>
-        <p:spPr bwMode="auto">
+        <p:spPr>
           <a:xfrm>
-            <a:off x="1140542" y="1514167"/>
-            <a:ext cx="9694606" cy="4857135"/>
+            <a:off x="934064" y="1484670"/>
+            <a:ext cx="10412361" cy="5373329"/>
           </a:xfrm>
           <a:prstGeom prst="rect">
             <a:avLst/>
           </a:prstGeom>
-          <a:noFill/>
-          <a:ln>
-            <a:noFill/>
-          </a:ln>
         </p:spPr>
       </p:pic>
     </p:spTree>
@@ -19120,158 +19112,6 @@
           <a:p>
             <a:pPr marL="742950" lvl="1" indent="-285750" algn="l" rtl="0">
               <a:spcBef>
-                <a:spcPts val="0"/>
-              </a:spcBef>
-              <a:spcAft>
-                <a:spcPts val="0"/>
-              </a:spcAft>
-              <a:buSzPts val="1440"/>
-              <a:buFont typeface="Noto Sans Symbols"/>
-              <a:buChar char="⮚"/>
-            </a:pPr>
-            <a:r>
-              <a:rPr lang="en-US" sz="2000" dirty="0">
-                <a:solidFill>
-                  <a:schemeClr val="lt1"/>
-                </a:solidFill>
-                <a:latin typeface="Times New Roman" panose="02020603050405020304" pitchFamily="18" charset="0"/>
-                <a:ea typeface="Times New Roman"/>
-                <a:cs typeface="Times New Roman" panose="02020603050405020304" pitchFamily="18" charset="0"/>
-                <a:sym typeface="Times New Roman"/>
-              </a:rPr>
-              <a:t>Clustering – </a:t>
-            </a:r>
-            <a:endParaRPr sz="2000" dirty="0">
-              <a:solidFill>
-                <a:schemeClr val="lt1"/>
-              </a:solidFill>
-              <a:latin typeface="Times New Roman" panose="02020603050405020304" pitchFamily="18" charset="0"/>
-              <a:ea typeface="Times New Roman"/>
-              <a:cs typeface="Times New Roman" panose="02020603050405020304" pitchFamily="18" charset="0"/>
-              <a:sym typeface="Times New Roman"/>
-            </a:endParaRPr>
-          </a:p>
-          <a:p>
-            <a:pPr marL="1200150" lvl="2" indent="-285750" algn="l" rtl="0">
-              <a:spcBef>
-                <a:spcPts val="960"/>
-              </a:spcBef>
-              <a:spcAft>
-                <a:spcPts val="0"/>
-              </a:spcAft>
-              <a:buSzPts val="1440"/>
-              <a:buFont typeface="Noto Sans Symbols"/>
-              <a:buChar char="▪"/>
-            </a:pPr>
-            <a:r>
-              <a:rPr lang="en-US" sz="2000" dirty="0" err="1">
-                <a:solidFill>
-                  <a:schemeClr val="lt1"/>
-                </a:solidFill>
-                <a:latin typeface="Times New Roman" panose="02020603050405020304" pitchFamily="18" charset="0"/>
-                <a:ea typeface="Times New Roman"/>
-                <a:cs typeface="Times New Roman" panose="02020603050405020304" pitchFamily="18" charset="0"/>
-                <a:sym typeface="Times New Roman"/>
-              </a:rPr>
-              <a:t>KMeans</a:t>
-            </a:r>
-            <a:r>
-              <a:rPr lang="en-US" sz="2000" dirty="0">
-                <a:solidFill>
-                  <a:schemeClr val="lt1"/>
-                </a:solidFill>
-                <a:latin typeface="Times New Roman" panose="02020603050405020304" pitchFamily="18" charset="0"/>
-                <a:ea typeface="Times New Roman"/>
-                <a:cs typeface="Times New Roman" panose="02020603050405020304" pitchFamily="18" charset="0"/>
-                <a:sym typeface="Times New Roman"/>
-              </a:rPr>
-              <a:t> algorithm is used to create clusters in the preprocessed data. The optimum number of clusters is selected by plotting the elbow plot, and for the dynamic selection of the number of clusters, we are using </a:t>
-            </a:r>
-            <a:r>
-              <a:rPr lang="en-US" sz="2000" dirty="0" err="1">
-                <a:solidFill>
-                  <a:schemeClr val="lt1"/>
-                </a:solidFill>
-                <a:latin typeface="Times New Roman" panose="02020603050405020304" pitchFamily="18" charset="0"/>
-                <a:ea typeface="Times New Roman"/>
-                <a:cs typeface="Times New Roman" panose="02020603050405020304" pitchFamily="18" charset="0"/>
-                <a:sym typeface="Times New Roman"/>
-              </a:rPr>
-              <a:t>KneeLocator</a:t>
-            </a:r>
-            <a:r>
-              <a:rPr lang="en-US" sz="2000" dirty="0">
-                <a:solidFill>
-                  <a:schemeClr val="lt1"/>
-                </a:solidFill>
-                <a:latin typeface="Times New Roman" panose="02020603050405020304" pitchFamily="18" charset="0"/>
-                <a:ea typeface="Times New Roman"/>
-                <a:cs typeface="Times New Roman" panose="02020603050405020304" pitchFamily="18" charset="0"/>
-                <a:sym typeface="Times New Roman"/>
-              </a:rPr>
-              <a:t> function. The idea behind clustering is to implement different algorithms on the structured data</a:t>
-            </a:r>
-            <a:endParaRPr sz="2000" dirty="0">
-              <a:latin typeface="Times New Roman" panose="02020603050405020304" pitchFamily="18" charset="0"/>
-              <a:cs typeface="Times New Roman" panose="02020603050405020304" pitchFamily="18" charset="0"/>
-            </a:endParaRPr>
-          </a:p>
-          <a:p>
-            <a:pPr marL="1200150" lvl="2" indent="-285750" algn="l" rtl="0">
-              <a:spcBef>
-                <a:spcPts val="960"/>
-              </a:spcBef>
-              <a:spcAft>
-                <a:spcPts val="0"/>
-              </a:spcAft>
-              <a:buSzPts val="1440"/>
-              <a:buFont typeface="Noto Sans Symbols"/>
-              <a:buChar char="▪"/>
-            </a:pPr>
-            <a:r>
-              <a:rPr lang="en-US" sz="2000" dirty="0">
-                <a:solidFill>
-                  <a:schemeClr val="lt1"/>
-                </a:solidFill>
-                <a:latin typeface="Times New Roman" panose="02020603050405020304" pitchFamily="18" charset="0"/>
-                <a:ea typeface="Times New Roman"/>
-                <a:cs typeface="Times New Roman" panose="02020603050405020304" pitchFamily="18" charset="0"/>
-                <a:sym typeface="Times New Roman"/>
-              </a:rPr>
-              <a:t>The </a:t>
-            </a:r>
-            <a:r>
-              <a:rPr lang="en-US" sz="2000" dirty="0" err="1">
-                <a:solidFill>
-                  <a:schemeClr val="lt1"/>
-                </a:solidFill>
-                <a:latin typeface="Times New Roman" panose="02020603050405020304" pitchFamily="18" charset="0"/>
-                <a:ea typeface="Times New Roman"/>
-                <a:cs typeface="Times New Roman" panose="02020603050405020304" pitchFamily="18" charset="0"/>
-                <a:sym typeface="Times New Roman"/>
-              </a:rPr>
-              <a:t>Kmeans</a:t>
-            </a:r>
-            <a:r>
-              <a:rPr lang="en-US" sz="2000" dirty="0">
-                <a:solidFill>
-                  <a:schemeClr val="lt1"/>
-                </a:solidFill>
-                <a:latin typeface="Times New Roman" panose="02020603050405020304" pitchFamily="18" charset="0"/>
-                <a:ea typeface="Times New Roman"/>
-                <a:cs typeface="Times New Roman" panose="02020603050405020304" pitchFamily="18" charset="0"/>
-                <a:sym typeface="Times New Roman"/>
-              </a:rPr>
-              <a:t> model is trained over preprocessed data, and the model is saved for further use in prediction</a:t>
-            </a:r>
-            <a:endParaRPr sz="2000" dirty="0">
-              <a:latin typeface="Times New Roman" panose="02020603050405020304" pitchFamily="18" charset="0"/>
-              <a:cs typeface="Times New Roman" panose="02020603050405020304" pitchFamily="18" charset="0"/>
-            </a:endParaRPr>
-          </a:p>
-          <a:p>
-            <a:pPr marL="742950" lvl="1" indent="-285750" algn="l" rtl="0">
-              <a:spcBef>
                 <a:spcPts val="960"/>
               </a:spcBef>
               <a:spcAft>
@@ -19293,27 +19133,8 @@
               </a:rPr>
               <a:t>Model Selection – </a:t>
             </a:r>
-            <a:endParaRPr sz="2000" dirty="0">
-              <a:solidFill>
-                <a:schemeClr val="lt1"/>
-              </a:solidFill>
-              <a:latin typeface="Times New Roman" panose="02020603050405020304" pitchFamily="18" charset="0"/>
-              <a:ea typeface="Times New Roman"/>
-              <a:cs typeface="Times New Roman" panose="02020603050405020304" pitchFamily="18" charset="0"/>
-              <a:sym typeface="Times New Roman"/>
-            </a:endParaRPr>
           </a:p>
           <a:p>
-            <a:pPr marL="914400" lvl="2" indent="0" algn="l" rtl="0">
-              <a:spcBef>
-                <a:spcPts val="960"/>
-              </a:spcBef>
-              <a:spcAft>
-                <a:spcPts val="0"/>
-              </a:spcAft>
-              <a:buSzPts val="1440"/>
-              <a:buNone/>
-            </a:pPr>
             <a:r>
               <a:rPr lang="en-US" sz="2000" dirty="0">
                 <a:solidFill>
@@ -19324,10 +19145,21 @@
                 <a:cs typeface="Times New Roman" panose="02020603050405020304" pitchFamily="18" charset="0"/>
                 <a:sym typeface="Times New Roman"/>
               </a:rPr>
-              <a:t>After the clusters are created, we find the best model for each cluster. By using 2  algorithms “SVM” and "</a:t>
+              <a:t>We use algorithms</a:t>
             </a:r>
             <a:r>
-              <a:rPr lang="en-US" sz="2000" dirty="0" err="1">
+              <a:rPr lang="en-US" b="0" dirty="0">
+                <a:solidFill>
+                  <a:schemeClr val="bg1"/>
+                </a:solidFill>
+                <a:effectLst/>
+                <a:latin typeface="Times New Roman" panose="02020603050405020304" pitchFamily="18" charset="0"/>
+                <a:cs typeface="Times New Roman" panose="02020603050405020304" pitchFamily="18" charset="0"/>
+              </a:rPr>
+              <a:t> Decision Tree Regressor, Random Forest Regressor, Logistic Regression. W</a:t>
+            </a:r>
+            <a:r>
+              <a:rPr lang="en-US" sz="2000" dirty="0">
                 <a:solidFill>
                   <a:schemeClr val="lt1"/>
                 </a:solidFill>
@@ -19336,10 +19168,10 @@
                 <a:cs typeface="Times New Roman" panose="02020603050405020304" pitchFamily="18" charset="0"/>
                 <a:sym typeface="Times New Roman"/>
               </a:rPr>
-              <a:t>XGBoost</a:t>
+              <a:t>e find the best model by using algorithms “</a:t>
             </a:r>
             <a:r>
-              <a:rPr lang="en-US" sz="2000" dirty="0">
+              <a:rPr lang="en-US" dirty="0">
                 <a:solidFill>
                   <a:schemeClr val="lt1"/>
                 </a:solidFill>
@@ -19348,9 +19180,21 @@
                 <a:cs typeface="Times New Roman" panose="02020603050405020304" pitchFamily="18" charset="0"/>
                 <a:sym typeface="Times New Roman"/>
               </a:rPr>
-              <a:t>". For each cluster both the hyper tunned algorithms are used. We calculate the AUC scores for both models and select the model with the best score. Similarly, the model is selected for each cluster. All the models for every cluster are saved for use in prediction</a:t>
+              <a:t>Random Forest Regression</a:t>
             </a:r>
-            <a:endParaRPr sz="2000" dirty="0">
+            <a:r>
+              <a:rPr lang="en-US" sz="2000" dirty="0">
+                <a:solidFill>
+                  <a:schemeClr val="lt1"/>
+                </a:solidFill>
+                <a:latin typeface="Times New Roman" panose="02020603050405020304" pitchFamily="18" charset="0"/>
+                <a:ea typeface="Times New Roman"/>
+                <a:cs typeface="Times New Roman" panose="02020603050405020304" pitchFamily="18" charset="0"/>
+                <a:sym typeface="Times New Roman"/>
+              </a:rPr>
+              <a:t>”. It gives approximately 85% accuracy.</a:t>
+            </a:r>
+            <a:endParaRPr lang="en-US" sz="2000" dirty="0">
               <a:latin typeface="Times New Roman" panose="02020603050405020304" pitchFamily="18" charset="0"/>
               <a:cs typeface="Times New Roman" panose="02020603050405020304" pitchFamily="18" charset="0"/>
             </a:endParaRPr>
